--- a/Poster/poster.pptx
+++ b/Poster/poster.pptx
@@ -2147,7 +2147,7 @@
         <a:p>
           <a:r>
             <a:rPr lang="en-US" sz="2800" dirty="0"/>
-            <a:t>Neural Network</a:t>
+            <a:t>Multilayer Perceptron</a:t>
           </a:r>
         </a:p>
       </dgm:t>
@@ -2183,7 +2183,7 @@
         <a:p>
           <a:r>
             <a:rPr lang="en-US" sz="2800" dirty="0"/>
-            <a:t>SVM</a:t>
+            <a:t>Support Vector Machine</a:t>
           </a:r>
         </a:p>
       </dgm:t>
@@ -2435,7 +2435,7 @@
         <a:p>
           <a:r>
             <a:rPr lang="en-US" sz="2800" dirty="0"/>
-            <a:t>Two FC Layers</a:t>
+            <a:t>Two Dense Layers</a:t>
           </a:r>
         </a:p>
       </dgm:t>
@@ -3514,7 +3514,7 @@
           </a:pPr>
           <a:r>
             <a:rPr lang="en-US" sz="2800" kern="1200" dirty="0"/>
-            <a:t>Two FC Layers</a:t>
+            <a:t>Two Dense Layers</a:t>
           </a:r>
         </a:p>
       </dsp:txBody>
@@ -3592,7 +3592,7 @@
           </a:pPr>
           <a:r>
             <a:rPr lang="en-US" sz="2800" kern="1200" dirty="0"/>
-            <a:t>Neural Network</a:t>
+            <a:t>Multilayer Perceptron</a:t>
           </a:r>
         </a:p>
       </dsp:txBody>
@@ -3816,7 +3816,7 @@
           </a:pPr>
           <a:r>
             <a:rPr lang="en-US" sz="2800" kern="1200" dirty="0"/>
-            <a:t>SVM</a:t>
+            <a:t>Support Vector Machine</a:t>
           </a:r>
         </a:p>
       </dsp:txBody>
@@ -6529,7 +6529,7 @@
           <a:p>
             <a:fld id="{F1C0B079-A316-4C9B-B165-DF9EA8325D2C}" type="datetimeFigureOut">
               <a:rPr lang="en-US" smtClean="0"/>
-              <a:t>12/17/2019</a:t>
+              <a:t>12/18/2019</a:t>
             </a:fld>
             <a:endParaRPr lang="en-US"/>
           </a:p>
@@ -6694,7 +6694,7 @@
           <a:p>
             <a:fld id="{38F28AB8-57D1-494F-9851-055AD867E790}" type="datetimeFigureOut">
               <a:rPr lang="en-US" smtClean="0"/>
-              <a:t>12/17/2019</a:t>
+              <a:t>12/18/2019</a:t>
             </a:fld>
             <a:endParaRPr lang="en-US"/>
           </a:p>
@@ -7010,18 +7010,7 @@
           <a:bodyPr/>
           <a:lstStyle/>
           <a:p>
-            <a:r>
-              <a:rPr lang="en-US" dirty="0"/>
-              <a:t>To change </a:t>
-            </a:r>
-            <a:r>
-              <a:rPr lang="en-US"/>
-              <a:t>this poster, </a:t>
-            </a:r>
-            <a:r>
-              <a:rPr lang="en-US" dirty="0"/>
-              <a:t>replace our sample content with your own. Or, if you'd rather start from a clean slate, press the New Slide button on the Home tab to insert a new page. Now enter your text and pictures in the empty placeholders. If you need more placeholders for titles, subtitles or body text, copy any of the existing placeholders, then drag the new one into place.</a:t>
-            </a:r>
+            <a:endParaRPr lang="en-US" dirty="0"/>
           </a:p>
         </p:txBody>
       </p:sp>
@@ -9996,7 +9985,7 @@
           <a:p>
             <a:fld id="{ECAA57DF-1C19-4726-AB84-014692BAD8F5}" type="datetimeFigureOut">
               <a:rPr lang="en-US" smtClean="0"/>
-              <a:t>12/17/2019</a:t>
+              <a:t>12/18/2019</a:t>
             </a:fld>
             <a:endParaRPr lang="en-US"/>
           </a:p>
@@ -10335,7 +10324,7 @@
             <a:fld id="{ECAA57DF-1C19-4726-AB84-014692BAD8F5}" type="datetimeFigureOut">
               <a:rPr lang="en-US" smtClean="0"/>
               <a:pPr/>
-              <a:t>12/17/2019</a:t>
+              <a:t>12/18/2019</a:t>
             </a:fld>
             <a:endParaRPr lang="en-US"/>
           </a:p>
@@ -10894,7 +10883,12 @@
             <p:ph type="title"/>
           </p:nvPr>
         </p:nvSpPr>
-        <p:spPr/>
+        <p:spPr>
+          <a:xfrm>
+            <a:off x="1129544" y="630789"/>
+            <a:ext cx="31865056" cy="2733124"/>
+          </a:xfrm>
+        </p:spPr>
         <p:txBody>
           <a:bodyPr>
             <a:normAutofit fontScale="90000"/>
@@ -10903,7 +10897,7 @@
           <a:p>
             <a:r>
               <a:rPr lang="en-US" dirty="0"/>
-              <a:t>Impact of Hyperparameters on Model Performance</a:t>
+              <a:t>ML Model Optimization Strategies for Image Datasets</a:t>
             </a:r>
           </a:p>
         </p:txBody>
@@ -11046,7 +11040,7 @@
             </a:pPr>
             <a:r>
               <a:rPr lang="en-US" dirty="0"/>
-              <a:t>Target Algorithm vs </a:t>
+              <a:t>Target Model vs </a:t>
             </a:r>
             <a:r>
               <a:rPr lang="en-US" b="1" dirty="0"/>
@@ -11091,7 +11085,7 @@
           <a:p>
             <a:r>
               <a:rPr lang="en-US" dirty="0"/>
-              <a:t>Baseline Algorithms</a:t>
+              <a:t>Baseline Models</a:t>
             </a:r>
           </a:p>
         </p:txBody>
@@ -11371,7 +11365,7 @@
         </p:nvSpPr>
         <p:spPr>
           <a:xfrm>
-            <a:off x="29319277" y="21890548"/>
+            <a:off x="29319277" y="21179294"/>
             <a:ext cx="12484431" cy="1121304"/>
           </a:xfrm>
         </p:spPr>
@@ -11398,8 +11392,8 @@
         </p:nvSpPr>
         <p:spPr>
           <a:xfrm>
-            <a:off x="29319277" y="23181855"/>
-            <a:ext cx="12484431" cy="4750418"/>
+            <a:off x="29319277" y="22300598"/>
+            <a:ext cx="12484431" cy="6055221"/>
           </a:xfrm>
         </p:spPr>
         <p:txBody>
@@ -11418,7 +11412,7 @@
             </a:r>
             <a:r>
               <a:rPr lang="en-US" dirty="0"/>
-              <a:t>on performance for the f-MNIST dataset</a:t>
+              <a:t>on performance for the F-MNIST dataset</a:t>
             </a:r>
           </a:p>
           <a:p>
@@ -11438,7 +11432,7 @@
           <a:p>
             <a:r>
               <a:rPr lang="en-US" dirty="0"/>
-              <a:t>2: Increasing data availability has a significant impact on CNN, small impact on NN. </a:t>
+              <a:t>2: Increasing data availability has a significant impact on CNN, small impact on MLP. </a:t>
             </a:r>
             <a:r>
               <a:rPr lang="en-US" b="1" dirty="0"/>
@@ -11452,7 +11446,29 @@
           <a:p>
             <a:r>
               <a:rPr lang="en-US" dirty="0"/>
-              <a:t>3: </a:t>
+              <a:t>3.1: When varying the node count, the </a:t>
+            </a:r>
+            <a:r>
+              <a:rPr lang="en-US" b="1" dirty="0"/>
+              <a:t>highest capacity </a:t>
+            </a:r>
+            <a:r>
+              <a:rPr lang="en-US" dirty="0"/>
+              <a:t>CNN model has the best performance and fastest training time on the CIFAR-10 dataset.</a:t>
+            </a:r>
+          </a:p>
+          <a:p>
+            <a:r>
+              <a:rPr lang="en-US" dirty="0"/>
+              <a:t>3.2: When varying the node count, the capacity of MLP models </a:t>
+            </a:r>
+            <a:r>
+              <a:rPr lang="en-US" b="1" dirty="0"/>
+              <a:t>does not impact </a:t>
+            </a:r>
+            <a:r>
+              <a:rPr lang="en-US" dirty="0"/>
+              <a:t>performance for the F-MNIST data set.</a:t>
             </a:r>
           </a:p>
           <a:p>
@@ -11514,7 +11530,7 @@
         </p:blipFill>
         <p:spPr bwMode="auto">
           <a:xfrm>
-            <a:off x="38342057" y="27432000"/>
+            <a:off x="38342057" y="27867895"/>
             <a:ext cx="3302437" cy="1657434"/>
           </a:xfrm>
           <a:prstGeom prst="rect">
@@ -11548,7 +11564,7 @@
             <p:ph sz="quarter" idx="25"/>
             <p:extLst>
               <p:ext uri="{D42A27DB-BD31-4B8C-83A1-F6EECF244321}">
-                <p14:modId xmlns:p14="http://schemas.microsoft.com/office/powerpoint/2010/main" val="3610743948"/>
+                <p14:modId xmlns:p14="http://schemas.microsoft.com/office/powerpoint/2010/main" val="1626809155"/>
               </p:ext>
             </p:extLst>
           </p:nvPr>
@@ -12203,7 +12219,7 @@
         <p:spPr>
           <a:xfrm>
             <a:off x="15492409" y="14513707"/>
-            <a:ext cx="9255675" cy="646331"/>
+            <a:ext cx="8426409" cy="646331"/>
           </a:xfrm>
           <a:prstGeom prst="rect">
             <a:avLst/>
@@ -12218,7 +12234,7 @@
             <a:pPr marL="0" lvl="1"/>
             <a:r>
               <a:rPr lang="en-US" sz="3600" b="1" dirty="0"/>
-              <a:t>4. Target Algorithm vs Convergence Time</a:t>
+              <a:t>4. Target Model vs Convergence Time</a:t>
             </a:r>
           </a:p>
         </p:txBody>
@@ -12598,41 +12614,6 @@
           </a:prstGeom>
         </p:spPr>
       </p:pic>
-      <p:sp>
-        <p:nvSpPr>
-          <p:cNvPr id="73" name="Rectangle 72">
-            <a:extLst>
-              <a:ext uri="{FF2B5EF4-FFF2-40B4-BE49-F238E27FC236}">
-                <a16:creationId xmlns:a16="http://schemas.microsoft.com/office/drawing/2014/main" id="{9F882105-0914-4D29-B91D-C2249C76D8A3}"/>
-              </a:ext>
-            </a:extLst>
-          </p:cNvPr>
-          <p:cNvSpPr/>
-          <p:nvPr/>
-        </p:nvSpPr>
-        <p:spPr>
-          <a:xfrm>
-            <a:off x="29160063" y="10591408"/>
-            <a:ext cx="8853706" cy="646331"/>
-          </a:xfrm>
-          <a:prstGeom prst="rect">
-            <a:avLst/>
-          </a:prstGeom>
-        </p:spPr>
-        <p:txBody>
-          <a:bodyPr wrap="none">
-            <a:spAutoFit/>
-          </a:bodyPr>
-          <a:lstStyle/>
-          <a:p>
-            <a:pPr marL="0" lvl="1"/>
-            <a:r>
-              <a:rPr lang="en-US" sz="3600" b="1" dirty="0"/>
-              <a:t>3. Network Node Count vs Performance</a:t>
-            </a:r>
-          </a:p>
-        </p:txBody>
-      </p:sp>
       <p:pic>
         <p:nvPicPr>
           <p:cNvPr id="62" name="Espace réservé pour une image  61">
@@ -12662,7 +12643,12 @@
             <a:fillRect/>
           </a:stretch>
         </p:blipFill>
-        <p:spPr/>
+        <p:spPr>
+          <a:xfrm>
+            <a:off x="31471169" y="0"/>
+            <a:ext cx="11332594" cy="3533915"/>
+          </a:xfrm>
+        </p:spPr>
       </p:pic>
       <p:pic>
         <p:nvPicPr>
@@ -12734,7 +12720,7 @@
         </p:blipFill>
         <p:spPr>
           <a:xfrm>
-            <a:off x="28562616" y="17116943"/>
+            <a:off x="28562616" y="16570874"/>
             <a:ext cx="6484293" cy="4322862"/>
           </a:xfrm>
           <a:prstGeom prst="rect">
@@ -12791,7 +12777,7 @@
         </p:nvSpPr>
         <p:spPr>
           <a:xfrm>
-            <a:off x="29160063" y="15916614"/>
+            <a:off x="29160063" y="15370545"/>
             <a:ext cx="5129937" cy="1200329"/>
           </a:xfrm>
           <a:prstGeom prst="rect">
@@ -13288,7 +13274,7 @@
         </p:nvSpPr>
         <p:spPr>
           <a:xfrm>
-            <a:off x="35589012" y="15916614"/>
+            <a:off x="35589012" y="15370545"/>
             <a:ext cx="5129937" cy="1200329"/>
           </a:xfrm>
           <a:prstGeom prst="rect">
@@ -13340,7 +13326,7 @@
         </p:blipFill>
         <p:spPr>
           <a:xfrm>
-            <a:off x="34574163" y="17049358"/>
+            <a:off x="34574163" y="16503289"/>
             <a:ext cx="8011476" cy="4450820"/>
           </a:xfrm>
           <a:prstGeom prst="rect">
@@ -13348,6 +13334,117 @@
           </a:prstGeom>
         </p:spPr>
       </p:pic>
+      <p:pic>
+        <p:nvPicPr>
+          <p:cNvPr id="88" name="Graphique 87">
+            <a:extLst>
+              <a:ext uri="{FF2B5EF4-FFF2-40B4-BE49-F238E27FC236}">
+                <a16:creationId xmlns:a16="http://schemas.microsoft.com/office/drawing/2014/main" id="{C258FCFC-EA40-4A61-B472-BE95DD3ECD70}"/>
+              </a:ext>
+            </a:extLst>
+          </p:cNvPr>
+          <p:cNvPicPr>
+            <a:picLocks noChangeAspect="1"/>
+          </p:cNvPicPr>
+          <p:nvPr/>
+        </p:nvPicPr>
+        <p:blipFill rotWithShape="1">
+          <a:blip r:embed="rId23">
+            <a:extLst>
+              <a:ext uri="{28A0092B-C50C-407E-A947-70E740481C1C}">
+                <a14:useLocalDpi xmlns:a14="http://schemas.microsoft.com/office/drawing/2010/main" val="0"/>
+              </a:ext>
+              <a:ext uri="{96DAC541-7B7A-43D3-8B79-37D633B846F1}">
+                <asvg:svgBlip xmlns:asvg="http://schemas.microsoft.com/office/drawing/2016/SVG/main" r:embed="rId24"/>
+              </a:ext>
+            </a:extLst>
+          </a:blip>
+          <a:srcRect r="5099"/>
+          <a:stretch/>
+        </p:blipFill>
+        <p:spPr>
+          <a:xfrm>
+            <a:off x="28448885" y="11273772"/>
+            <a:ext cx="7025321" cy="4112673"/>
+          </a:xfrm>
+          <a:prstGeom prst="rect">
+            <a:avLst/>
+          </a:prstGeom>
+        </p:spPr>
+      </p:pic>
+      <p:pic>
+        <p:nvPicPr>
+          <p:cNvPr id="92" name="Graphique 91">
+            <a:extLst>
+              <a:ext uri="{FF2B5EF4-FFF2-40B4-BE49-F238E27FC236}">
+                <a16:creationId xmlns:a16="http://schemas.microsoft.com/office/drawing/2014/main" id="{40D27D89-5683-4F50-ABE5-80D3FA9603B4}"/>
+              </a:ext>
+            </a:extLst>
+          </p:cNvPr>
+          <p:cNvPicPr>
+            <a:picLocks noChangeAspect="1"/>
+          </p:cNvPicPr>
+          <p:nvPr/>
+        </p:nvPicPr>
+        <p:blipFill rotWithShape="1">
+          <a:blip r:embed="rId25">
+            <a:extLst>
+              <a:ext uri="{28A0092B-C50C-407E-A947-70E740481C1C}">
+                <a14:useLocalDpi xmlns:a14="http://schemas.microsoft.com/office/drawing/2010/main" val="0"/>
+              </a:ext>
+              <a:ext uri="{96DAC541-7B7A-43D3-8B79-37D633B846F1}">
+                <asvg:svgBlip xmlns:asvg="http://schemas.microsoft.com/office/drawing/2016/SVG/main" r:embed="rId26"/>
+              </a:ext>
+            </a:extLst>
+          </a:blip>
+          <a:srcRect l="5099"/>
+          <a:stretch/>
+        </p:blipFill>
+        <p:spPr>
+          <a:xfrm>
+            <a:off x="35424399" y="11273772"/>
+            <a:ext cx="7025321" cy="4112673"/>
+          </a:xfrm>
+          <a:prstGeom prst="rect">
+            <a:avLst/>
+          </a:prstGeom>
+        </p:spPr>
+      </p:pic>
+      <p:sp>
+        <p:nvSpPr>
+          <p:cNvPr id="73" name="Rectangle 72">
+            <a:extLst>
+              <a:ext uri="{FF2B5EF4-FFF2-40B4-BE49-F238E27FC236}">
+                <a16:creationId xmlns:a16="http://schemas.microsoft.com/office/drawing/2014/main" id="{9F882105-0914-4D29-B91D-C2249C76D8A3}"/>
+              </a:ext>
+            </a:extLst>
+          </p:cNvPr>
+          <p:cNvSpPr/>
+          <p:nvPr/>
+        </p:nvSpPr>
+        <p:spPr>
+          <a:xfrm>
+            <a:off x="29160063" y="10591408"/>
+            <a:ext cx="8853706" cy="646331"/>
+          </a:xfrm>
+          <a:prstGeom prst="rect">
+            <a:avLst/>
+          </a:prstGeom>
+        </p:spPr>
+        <p:txBody>
+          <a:bodyPr wrap="none">
+            <a:spAutoFit/>
+          </a:bodyPr>
+          <a:lstStyle/>
+          <a:p>
+            <a:pPr marL="0" lvl="1"/>
+            <a:r>
+              <a:rPr lang="en-US" sz="3600" b="1" dirty="0"/>
+              <a:t>3. Network Node Count vs Performance</a:t>
+            </a:r>
+          </a:p>
+        </p:txBody>
+      </p:sp>
     </p:spTree>
     <p:extLst>
       <p:ext uri="{BB962C8B-B14F-4D97-AF65-F5344CB8AC3E}">
